--- a/FlagShip2020/旗艦20201008/20201008動作.pptx
+++ b/FlagShip2020/旗艦20201008/20201008動作.pptx
@@ -8,6 +8,8 @@
     <p:sldId id="259" r:id="rId2"/>
     <p:sldId id="260" r:id="rId3"/>
     <p:sldId id="258" r:id="rId4"/>
+    <p:sldId id="261" r:id="rId5"/>
+    <p:sldId id="262" r:id="rId6"/>
   </p:sldIdLst>
   <p:sldSz cx="12192000" cy="6858000"/>
   <p:notesSz cx="6858000" cy="9144000"/>
@@ -106,6 +108,11 @@
       </a:defRPr>
     </a:lvl9pPr>
   </p:defaultTextStyle>
+  <p:extLst>
+    <p:ext uri="{EFAFB233-063F-42B5-8137-9DF3F51BA10A}">
+      <p15:sldGuideLst xmlns:p15="http://schemas.microsoft.com/office/powerpoint/2012/main"/>
+    </p:ext>
+  </p:extLst>
 </p:presentation>
 </file>
 
@@ -240,7 +247,7 @@
           <a:p>
             <a:fld id="{8D525B77-5269-4976-9F25-E9AC73CD63C2}" type="datetimeFigureOut">
               <a:rPr lang="zh-TW" altLang="en-US" smtClean="0"/>
-              <a:t>2020/10/7</a:t>
+              <a:t>2020/10/8</a:t>
             </a:fld>
             <a:endParaRPr lang="zh-TW" altLang="en-US"/>
           </a:p>
@@ -410,7 +417,7 @@
           <a:p>
             <a:fld id="{8D525B77-5269-4976-9F25-E9AC73CD63C2}" type="datetimeFigureOut">
               <a:rPr lang="zh-TW" altLang="en-US" smtClean="0"/>
-              <a:t>2020/10/7</a:t>
+              <a:t>2020/10/8</a:t>
             </a:fld>
             <a:endParaRPr lang="zh-TW" altLang="en-US"/>
           </a:p>
@@ -590,7 +597,7 @@
           <a:p>
             <a:fld id="{8D525B77-5269-4976-9F25-E9AC73CD63C2}" type="datetimeFigureOut">
               <a:rPr lang="zh-TW" altLang="en-US" smtClean="0"/>
-              <a:t>2020/10/7</a:t>
+              <a:t>2020/10/8</a:t>
             </a:fld>
             <a:endParaRPr lang="zh-TW" altLang="en-US"/>
           </a:p>
@@ -760,7 +767,7 @@
           <a:p>
             <a:fld id="{8D525B77-5269-4976-9F25-E9AC73CD63C2}" type="datetimeFigureOut">
               <a:rPr lang="zh-TW" altLang="en-US" smtClean="0"/>
-              <a:t>2020/10/7</a:t>
+              <a:t>2020/10/8</a:t>
             </a:fld>
             <a:endParaRPr lang="zh-TW" altLang="en-US"/>
           </a:p>
@@ -1006,7 +1013,7 @@
           <a:p>
             <a:fld id="{8D525B77-5269-4976-9F25-E9AC73CD63C2}" type="datetimeFigureOut">
               <a:rPr lang="zh-TW" altLang="en-US" smtClean="0"/>
-              <a:t>2020/10/7</a:t>
+              <a:t>2020/10/8</a:t>
             </a:fld>
             <a:endParaRPr lang="zh-TW" altLang="en-US"/>
           </a:p>
@@ -1238,7 +1245,7 @@
           <a:p>
             <a:fld id="{8D525B77-5269-4976-9F25-E9AC73CD63C2}" type="datetimeFigureOut">
               <a:rPr lang="zh-TW" altLang="en-US" smtClean="0"/>
-              <a:t>2020/10/7</a:t>
+              <a:t>2020/10/8</a:t>
             </a:fld>
             <a:endParaRPr lang="zh-TW" altLang="en-US"/>
           </a:p>
@@ -1605,7 +1612,7 @@
           <a:p>
             <a:fld id="{8D525B77-5269-4976-9F25-E9AC73CD63C2}" type="datetimeFigureOut">
               <a:rPr lang="zh-TW" altLang="en-US" smtClean="0"/>
-              <a:t>2020/10/7</a:t>
+              <a:t>2020/10/8</a:t>
             </a:fld>
             <a:endParaRPr lang="zh-TW" altLang="en-US"/>
           </a:p>
@@ -1723,7 +1730,7 @@
           <a:p>
             <a:fld id="{8D525B77-5269-4976-9F25-E9AC73CD63C2}" type="datetimeFigureOut">
               <a:rPr lang="zh-TW" altLang="en-US" smtClean="0"/>
-              <a:t>2020/10/7</a:t>
+              <a:t>2020/10/8</a:t>
             </a:fld>
             <a:endParaRPr lang="zh-TW" altLang="en-US"/>
           </a:p>
@@ -1818,7 +1825,7 @@
           <a:p>
             <a:fld id="{8D525B77-5269-4976-9F25-E9AC73CD63C2}" type="datetimeFigureOut">
               <a:rPr lang="zh-TW" altLang="en-US" smtClean="0"/>
-              <a:t>2020/10/7</a:t>
+              <a:t>2020/10/8</a:t>
             </a:fld>
             <a:endParaRPr lang="zh-TW" altLang="en-US"/>
           </a:p>
@@ -2095,7 +2102,7 @@
           <a:p>
             <a:fld id="{8D525B77-5269-4976-9F25-E9AC73CD63C2}" type="datetimeFigureOut">
               <a:rPr lang="zh-TW" altLang="en-US" smtClean="0"/>
-              <a:t>2020/10/7</a:t>
+              <a:t>2020/10/8</a:t>
             </a:fld>
             <a:endParaRPr lang="zh-TW" altLang="en-US"/>
           </a:p>
@@ -2348,7 +2355,7 @@
           <a:p>
             <a:fld id="{8D525B77-5269-4976-9F25-E9AC73CD63C2}" type="datetimeFigureOut">
               <a:rPr lang="zh-TW" altLang="en-US" smtClean="0"/>
-              <a:t>2020/10/7</a:t>
+              <a:t>2020/10/8</a:t>
             </a:fld>
             <a:endParaRPr lang="zh-TW" altLang="en-US"/>
           </a:p>
@@ -2561,7 +2568,7 @@
           <a:p>
             <a:fld id="{8D525B77-5269-4976-9F25-E9AC73CD63C2}" type="datetimeFigureOut">
               <a:rPr lang="zh-TW" altLang="en-US" smtClean="0"/>
-              <a:t>2020/10/7</a:t>
+              <a:t>2020/10/8</a:t>
             </a:fld>
             <a:endParaRPr lang="zh-TW" altLang="en-US"/>
           </a:p>
@@ -3014,7 +3021,7 @@
         </p:blipFill>
         <p:spPr>
           <a:xfrm>
-            <a:off x="6212045" y="1487489"/>
+            <a:off x="6162168" y="1088478"/>
             <a:ext cx="5544317" cy="1966912"/>
           </a:xfrm>
         </p:spPr>
@@ -3385,14 +3392,14 @@
           <p:nvPr>
             <p:extLst>
               <p:ext uri="{D42A27DB-BD31-4B8C-83A1-F6EECF244321}">
-                <p14:modId xmlns:p14="http://schemas.microsoft.com/office/powerpoint/2010/main" val="1526918020"/>
+                <p14:modId xmlns:p14="http://schemas.microsoft.com/office/powerpoint/2010/main" val="1445971769"/>
               </p:ext>
             </p:extLst>
           </p:nvPr>
         </p:nvGraphicFramePr>
         <p:xfrm>
-          <a:off x="938569" y="1932766"/>
-          <a:ext cx="8412480" cy="1854200"/>
+          <a:off x="1211504" y="1690688"/>
+          <a:ext cx="10142296" cy="3096435"/>
         </p:xfrm>
         <a:graphic>
           <a:graphicData uri="http://schemas.openxmlformats.org/drawingml/2006/table">
@@ -3401,28 +3408,28 @@
                 <a:tableStyleId>{5C22544A-7EE6-4342-B048-85BDC9FD1C3A}</a:tableStyleId>
               </a:tblPr>
               <a:tblGrid>
-                <a:gridCol w="2103120">
+                <a:gridCol w="2535574">
                   <a:extLst>
                     <a:ext uri="{9D8B030D-6E8A-4147-A177-3AD203B41FA5}">
                       <a16:colId xmlns:a16="http://schemas.microsoft.com/office/drawing/2014/main" val="3572252653"/>
                     </a:ext>
                   </a:extLst>
                 </a:gridCol>
-                <a:gridCol w="2103120">
+                <a:gridCol w="2535574">
                   <a:extLst>
                     <a:ext uri="{9D8B030D-6E8A-4147-A177-3AD203B41FA5}">
                       <a16:colId xmlns:a16="http://schemas.microsoft.com/office/drawing/2014/main" val="1123075191"/>
                     </a:ext>
                   </a:extLst>
                 </a:gridCol>
-                <a:gridCol w="2103120">
+                <a:gridCol w="2535574">
                   <a:extLst>
                     <a:ext uri="{9D8B030D-6E8A-4147-A177-3AD203B41FA5}">
                       <a16:colId xmlns:a16="http://schemas.microsoft.com/office/drawing/2014/main" val="2474952442"/>
                     </a:ext>
                   </a:extLst>
                 </a:gridCol>
-                <a:gridCol w="2103120">
+                <a:gridCol w="2535574">
                   <a:extLst>
                     <a:ext uri="{9D8B030D-6E8A-4147-A177-3AD203B41FA5}">
                       <a16:colId xmlns:a16="http://schemas.microsoft.com/office/drawing/2014/main" val="1481818034"/>
@@ -3430,7 +3437,7 @@
                   </a:extLst>
                 </a:gridCol>
               </a:tblGrid>
-              <a:tr h="370840">
+              <a:tr h="619287">
                 <a:tc>
                   <a:txBody>
                     <a:bodyPr/>
@@ -3524,7 +3531,7 @@
                   </a:ext>
                 </a:extLst>
               </a:tr>
-              <a:tr h="370840">
+              <a:tr h="619287">
                 <a:tc>
                   <a:txBody>
                     <a:bodyPr/>
@@ -3614,7 +3621,7 @@
                   </a:ext>
                 </a:extLst>
               </a:tr>
-              <a:tr h="370840">
+              <a:tr h="619287">
                 <a:tc>
                   <a:txBody>
                     <a:bodyPr/>
@@ -3704,7 +3711,7 @@
                   </a:ext>
                 </a:extLst>
               </a:tr>
-              <a:tr h="370840">
+              <a:tr h="619287">
                 <a:tc>
                   <a:txBody>
                     <a:bodyPr/>
@@ -3794,7 +3801,7 @@
                   </a:ext>
                 </a:extLst>
               </a:tr>
-              <a:tr h="370840">
+              <a:tr h="619287">
                 <a:tc>
                   <a:txBody>
                     <a:bodyPr/>
@@ -3992,15 +3999,7 @@
             </a:br>
             <a:r>
               <a:rPr lang="zh-TW" altLang="en-US" sz="2000" dirty="0" smtClean="0"/>
-              <a:t>且</a:t>
-            </a:r>
-            <a:r>
-              <a:rPr lang="zh-TW" altLang="en-US" sz="2000" smtClean="0"/>
-              <a:t>曾有直立影片無法</a:t>
-            </a:r>
-            <a:r>
-              <a:rPr lang="zh-TW" altLang="en-US" sz="2000" dirty="0" smtClean="0"/>
-              <a:t>輸出 </a:t>
+              <a:t>且曾有直立影片無法輸出 </a:t>
             </a:r>
             <a:r>
               <a:rPr lang="en-US" altLang="zh-TW" sz="2000" dirty="0" smtClean="0"/>
@@ -4051,15 +4050,7 @@
             </a:br>
             <a:r>
               <a:rPr lang="zh-TW" altLang="en-US" sz="2000" dirty="0" smtClean="0"/>
-              <a:t>原程式邏輯目前為：</a:t>
-            </a:r>
-            <a:r>
-              <a:rPr lang="zh-TW" altLang="en-US" sz="2000" dirty="0" smtClean="0"/>
-              <a:t>以完成第一下為開始計時，</a:t>
-            </a:r>
-            <a:r>
-              <a:rPr lang="zh-TW" altLang="en-US" sz="2000" dirty="0" smtClean="0"/>
-              <a:t>沒有做滿秒數的話以時間去等比換算次數</a:t>
+              <a:t>原程式邏輯目前為：以完成第一下為開始計時，沒有做滿秒數的話以時間去等比換算次數</a:t>
             </a:r>
             <a:r>
               <a:rPr lang="en-US" altLang="zh-TW" sz="2000" dirty="0"/>
@@ -4070,11 +4061,7 @@
             </a:br>
             <a:r>
               <a:rPr lang="zh-TW" altLang="en-US" sz="2000" dirty="0" smtClean="0"/>
-              <a:t>例：</a:t>
-            </a:r>
-            <a:r>
-              <a:rPr lang="zh-TW" altLang="en-US" sz="2000" dirty="0" smtClean="0"/>
-              <a:t>椅子坐立　影片只有</a:t>
+              <a:t>例：椅子坐立　影片只有</a:t>
             </a:r>
             <a:r>
               <a:rPr lang="en-US" altLang="zh-TW" sz="2000" dirty="0" smtClean="0"/>
@@ -4159,42 +4146,6 @@
               <a:t>但目前測試好像沒有這個功能（程度很好的情況下，還是顯示程度為差）</a:t>
             </a:r>
             <a:endParaRPr lang="en-US" altLang="zh-TW" sz="2000" dirty="0" smtClean="0"/>
-          </a:p>
-          <a:p>
-            <a:pPr marL="285750" indent="-285750">
-              <a:lnSpc>
-                <a:spcPct val="150000"/>
-              </a:lnSpc>
-            </a:pPr>
-            <a:r>
-              <a:rPr lang="zh-TW" altLang="en-US" sz="2000" dirty="0" smtClean="0"/>
-              <a:t>輸出影片大小過大，大概放大</a:t>
-            </a:r>
-            <a:r>
-              <a:rPr lang="en-US" altLang="zh-TW" sz="2000" dirty="0" smtClean="0"/>
-              <a:t>6</a:t>
-            </a:r>
-            <a:r>
-              <a:rPr lang="zh-TW" altLang="en-US" sz="2000" dirty="0" smtClean="0"/>
-              <a:t>倍（原：</a:t>
-            </a:r>
-            <a:r>
-              <a:rPr lang="en-US" altLang="zh-TW" sz="2000" dirty="0" smtClean="0"/>
-              <a:t>150MB</a:t>
-            </a:r>
-            <a:r>
-              <a:rPr lang="zh-TW" altLang="en-US" sz="2000" dirty="0" smtClean="0"/>
-              <a:t>　→　輸出：</a:t>
-            </a:r>
-            <a:r>
-              <a:rPr lang="en-US" altLang="zh-TW" sz="2000" dirty="0" smtClean="0"/>
-              <a:t>900MB</a:t>
-            </a:r>
-            <a:r>
-              <a:rPr lang="zh-TW" altLang="en-US" sz="2000" dirty="0" smtClean="0"/>
-              <a:t>）</a:t>
-            </a:r>
-            <a:endParaRPr lang="zh-TW" altLang="en-US" sz="2000" dirty="0"/>
           </a:p>
           <a:p>
             <a:endParaRPr lang="zh-TW" altLang="en-US" sz="2000" dirty="0"/>
@@ -4205,6 +4156,271 @@
     <p:extLst>
       <p:ext uri="{BB962C8B-B14F-4D97-AF65-F5344CB8AC3E}">
         <p14:creationId xmlns:p14="http://schemas.microsoft.com/office/powerpoint/2010/main" val="1865077724"/>
+      </p:ext>
+    </p:extLst>
+  </p:cSld>
+  <p:clrMapOvr>
+    <a:masterClrMapping/>
+  </p:clrMapOvr>
+</p:sld>
+</file>
+
+<file path=ppt/slides/slide4.xml><?xml version="1.0" encoding="utf-8"?>
+<p:sld xmlns:a="http://schemas.openxmlformats.org/drawingml/2006/main" xmlns:r="http://schemas.openxmlformats.org/officeDocument/2006/relationships" xmlns:p="http://schemas.openxmlformats.org/presentationml/2006/main">
+  <p:cSld>
+    <p:spTree>
+      <p:nvGrpSpPr>
+        <p:cNvPr id="1" name=""/>
+        <p:cNvGrpSpPr/>
+        <p:nvPr/>
+      </p:nvGrpSpPr>
+      <p:grpSpPr>
+        <a:xfrm>
+          <a:off x="0" y="0"/>
+          <a:ext cx="0" cy="0"/>
+          <a:chOff x="0" y="0"/>
+          <a:chExt cx="0" cy="0"/>
+        </a:xfrm>
+      </p:grpSpPr>
+      <p:sp>
+        <p:nvSpPr>
+          <p:cNvPr id="2" name="標題 1"/>
+          <p:cNvSpPr>
+            <a:spLocks noGrp="1"/>
+          </p:cNvSpPr>
+          <p:nvPr>
+            <p:ph type="title"/>
+          </p:nvPr>
+        </p:nvSpPr>
+        <p:spPr/>
+        <p:txBody>
+          <a:bodyPr/>
+          <a:lstStyle/>
+          <a:p>
+            <a:endParaRPr lang="zh-TW" altLang="en-US" dirty="0"/>
+          </a:p>
+        </p:txBody>
+      </p:sp>
+      <p:sp>
+        <p:nvSpPr>
+          <p:cNvPr id="3" name="內容版面配置區 2"/>
+          <p:cNvSpPr>
+            <a:spLocks noGrp="1"/>
+          </p:cNvSpPr>
+          <p:nvPr>
+            <p:ph idx="1"/>
+          </p:nvPr>
+        </p:nvSpPr>
+        <p:spPr/>
+        <p:txBody>
+          <a:bodyPr/>
+          <a:lstStyle/>
+          <a:p>
+            <a:r>
+              <a:rPr lang="zh-TW" altLang="en-US" dirty="0"/>
+              <a:t>輸出影片大小過大，大概放大</a:t>
+            </a:r>
+            <a:r>
+              <a:rPr lang="en-US" altLang="zh-TW" dirty="0"/>
+              <a:t>6</a:t>
+            </a:r>
+            <a:r>
+              <a:rPr lang="zh-TW" altLang="en-US" dirty="0"/>
+              <a:t>倍（原：</a:t>
+            </a:r>
+            <a:r>
+              <a:rPr lang="en-US" altLang="zh-TW" dirty="0"/>
+              <a:t>150MB</a:t>
+            </a:r>
+            <a:r>
+              <a:rPr lang="zh-TW" altLang="en-US" dirty="0"/>
+              <a:t>　→　輸出：</a:t>
+            </a:r>
+            <a:r>
+              <a:rPr lang="en-US" altLang="zh-TW" dirty="0"/>
+              <a:t>900MB</a:t>
+            </a:r>
+            <a:r>
+              <a:rPr lang="zh-TW" altLang="en-US" dirty="0" smtClean="0"/>
+              <a:t>）</a:t>
+            </a:r>
+            <a:endParaRPr lang="en-US" altLang="zh-TW" dirty="0" smtClean="0"/>
+          </a:p>
+          <a:p>
+            <a:endParaRPr lang="en-US" altLang="zh-TW" dirty="0"/>
+          </a:p>
+          <a:p>
+            <a:r>
+              <a:rPr lang="zh-TW" altLang="en-US" dirty="0" smtClean="0"/>
+              <a:t>設定壓縮率</a:t>
+            </a:r>
+            <a:endParaRPr lang="zh-TW" altLang="en-US" dirty="0"/>
+          </a:p>
+          <a:p>
+            <a:endParaRPr lang="zh-TW" altLang="en-US" dirty="0"/>
+          </a:p>
+        </p:txBody>
+      </p:sp>
+      <p:pic>
+        <p:nvPicPr>
+          <p:cNvPr id="4" name="圖片 3" descr="畫面剪輯"/>
+          <p:cNvPicPr>
+            <a:picLocks noChangeAspect="1"/>
+          </p:cNvPicPr>
+          <p:nvPr/>
+        </p:nvPicPr>
+        <p:blipFill>
+          <a:blip r:embed="rId2">
+            <a:extLst>
+              <a:ext uri="{28A0092B-C50C-407E-A947-70E740481C1C}">
+                <a14:useLocalDpi xmlns:a14="http://schemas.microsoft.com/office/drawing/2010/main" val="0"/>
+              </a:ext>
+            </a:extLst>
+          </a:blip>
+          <a:stretch>
+            <a:fillRect/>
+          </a:stretch>
+        </p:blipFill>
+        <p:spPr>
+          <a:xfrm>
+            <a:off x="4663758" y="2474399"/>
+            <a:ext cx="5735465" cy="4020381"/>
+          </a:xfrm>
+          <a:prstGeom prst="rect">
+            <a:avLst/>
+          </a:prstGeom>
+        </p:spPr>
+      </p:pic>
+    </p:spTree>
+    <p:extLst>
+      <p:ext uri="{BB962C8B-B14F-4D97-AF65-F5344CB8AC3E}">
+        <p14:creationId xmlns:p14="http://schemas.microsoft.com/office/powerpoint/2010/main" val="2307066891"/>
+      </p:ext>
+    </p:extLst>
+  </p:cSld>
+  <p:clrMapOvr>
+    <a:masterClrMapping/>
+  </p:clrMapOvr>
+</p:sld>
+</file>
+
+<file path=ppt/slides/slide5.xml><?xml version="1.0" encoding="utf-8"?>
+<p:sld xmlns:a="http://schemas.openxmlformats.org/drawingml/2006/main" xmlns:r="http://schemas.openxmlformats.org/officeDocument/2006/relationships" xmlns:p="http://schemas.openxmlformats.org/presentationml/2006/main">
+  <p:cSld>
+    <p:spTree>
+      <p:nvGrpSpPr>
+        <p:cNvPr id="1" name=""/>
+        <p:cNvGrpSpPr/>
+        <p:nvPr/>
+      </p:nvGrpSpPr>
+      <p:grpSpPr>
+        <a:xfrm>
+          <a:off x="0" y="0"/>
+          <a:ext cx="0" cy="0"/>
+          <a:chOff x="0" y="0"/>
+          <a:chExt cx="0" cy="0"/>
+        </a:xfrm>
+      </p:grpSpPr>
+      <p:sp>
+        <p:nvSpPr>
+          <p:cNvPr id="2" name="標題 1"/>
+          <p:cNvSpPr>
+            <a:spLocks noGrp="1"/>
+          </p:cNvSpPr>
+          <p:nvPr>
+            <p:ph type="title"/>
+          </p:nvPr>
+        </p:nvSpPr>
+        <p:spPr/>
+        <p:txBody>
+          <a:bodyPr/>
+          <a:lstStyle/>
+          <a:p>
+            <a:endParaRPr lang="zh-TW" altLang="en-US"/>
+          </a:p>
+        </p:txBody>
+      </p:sp>
+      <p:sp>
+        <p:nvSpPr>
+          <p:cNvPr id="3" name="內容版面配置區 2"/>
+          <p:cNvSpPr>
+            <a:spLocks noGrp="1"/>
+          </p:cNvSpPr>
+          <p:nvPr>
+            <p:ph idx="1"/>
+          </p:nvPr>
+        </p:nvSpPr>
+        <p:spPr/>
+        <p:txBody>
+          <a:bodyPr/>
+          <a:lstStyle/>
+          <a:p>
+            <a:r>
+              <a:rPr lang="zh-TW" altLang="en-US" dirty="0" smtClean="0"/>
+              <a:t>現今的影片偵數預設為</a:t>
+            </a:r>
+            <a:r>
+              <a:rPr lang="en-US" altLang="zh-TW" dirty="0" smtClean="0"/>
+              <a:t>30FPS</a:t>
+            </a:r>
+          </a:p>
+          <a:p>
+            <a:r>
+              <a:rPr lang="zh-TW" altLang="en-US" dirty="0"/>
+              <a:t>若有低於或高於會</a:t>
+            </a:r>
+            <a:r>
+              <a:rPr lang="zh-TW" altLang="en-US" dirty="0" smtClean="0"/>
+              <a:t>導致持續時間與換算失誤。</a:t>
+            </a:r>
+            <a:endParaRPr lang="en-US" altLang="zh-TW" dirty="0" smtClean="0"/>
+          </a:p>
+          <a:p>
+            <a:endParaRPr lang="en-US" altLang="zh-TW" dirty="0" smtClean="0"/>
+          </a:p>
+          <a:p>
+            <a:r>
+              <a:rPr lang="zh-TW" altLang="en-US" dirty="0" smtClean="0"/>
+              <a:t>自動偵測輸入的影片檔偵數</a:t>
+            </a:r>
+            <a:endParaRPr lang="zh-TW" altLang="en-US" dirty="0"/>
+          </a:p>
+        </p:txBody>
+      </p:sp>
+      <p:pic>
+        <p:nvPicPr>
+          <p:cNvPr id="4" name="圖片 3" descr="畫面剪輯"/>
+          <p:cNvPicPr>
+            <a:picLocks noChangeAspect="1"/>
+          </p:cNvPicPr>
+          <p:nvPr/>
+        </p:nvPicPr>
+        <p:blipFill>
+          <a:blip r:embed="rId2">
+            <a:extLst>
+              <a:ext uri="{28A0092B-C50C-407E-A947-70E740481C1C}">
+                <a14:useLocalDpi xmlns:a14="http://schemas.microsoft.com/office/drawing/2010/main" val="0"/>
+              </a:ext>
+            </a:extLst>
+          </a:blip>
+          <a:stretch>
+            <a:fillRect/>
+          </a:stretch>
+        </p:blipFill>
+        <p:spPr>
+          <a:xfrm>
+            <a:off x="6187121" y="3370774"/>
+            <a:ext cx="4572638" cy="1762371"/>
+          </a:xfrm>
+          <a:prstGeom prst="rect">
+            <a:avLst/>
+          </a:prstGeom>
+        </p:spPr>
+      </p:pic>
+    </p:spTree>
+    <p:extLst>
+      <p:ext uri="{BB962C8B-B14F-4D97-AF65-F5344CB8AC3E}">
+        <p14:creationId xmlns:p14="http://schemas.microsoft.com/office/powerpoint/2010/main" val="153171721"/>
       </p:ext>
     </p:extLst>
   </p:cSld>

--- a/FlagShip2020/旗艦20201008/20201008動作.pptx
+++ b/FlagShip2020/旗艦20201008/20201008動作.pptx
@@ -158,10 +158,9 @@
           </a:lstStyle>
           <a:p>
             <a:r>
-              <a:rPr lang="zh-TW" altLang="en-US" smtClean="0"/>
+              <a:rPr lang="zh-TW" altLang="en-US"/>
               <a:t>按一下以編輯母片標題樣式</a:t>
             </a:r>
-            <a:endParaRPr lang="zh-TW" altLang="en-US"/>
           </a:p>
         </p:txBody>
       </p:sp>
@@ -223,10 +222,9 @@
           </a:lstStyle>
           <a:p>
             <a:r>
-              <a:rPr lang="zh-TW" altLang="en-US" smtClean="0"/>
+              <a:rPr lang="zh-TW" altLang="en-US"/>
               <a:t>按一下以編輯母片副標題樣式</a:t>
             </a:r>
-            <a:endParaRPr lang="zh-TW" altLang="en-US"/>
           </a:p>
         </p:txBody>
       </p:sp>
@@ -341,10 +339,9 @@
           <a:lstStyle/>
           <a:p>
             <a:r>
-              <a:rPr lang="zh-TW" altLang="en-US" smtClean="0"/>
+              <a:rPr lang="zh-TW" altLang="en-US"/>
               <a:t>按一下以編輯母片標題樣式</a:t>
             </a:r>
-            <a:endParaRPr lang="zh-TW" altLang="en-US"/>
           </a:p>
         </p:txBody>
       </p:sp>
@@ -365,38 +362,37 @@
           <a:p>
             <a:pPr lvl="0"/>
             <a:r>
-              <a:rPr lang="zh-TW" altLang="en-US" smtClean="0"/>
+              <a:rPr lang="zh-TW" altLang="en-US"/>
               <a:t>編輯母片文字樣式</a:t>
             </a:r>
           </a:p>
           <a:p>
             <a:pPr lvl="1"/>
             <a:r>
-              <a:rPr lang="zh-TW" altLang="en-US" smtClean="0"/>
+              <a:rPr lang="zh-TW" altLang="en-US"/>
               <a:t>第二層</a:t>
             </a:r>
           </a:p>
           <a:p>
             <a:pPr lvl="2"/>
             <a:r>
-              <a:rPr lang="zh-TW" altLang="en-US" smtClean="0"/>
+              <a:rPr lang="zh-TW" altLang="en-US"/>
               <a:t>第三層</a:t>
             </a:r>
           </a:p>
           <a:p>
             <a:pPr lvl="3"/>
             <a:r>
-              <a:rPr lang="zh-TW" altLang="en-US" smtClean="0"/>
+              <a:rPr lang="zh-TW" altLang="en-US"/>
               <a:t>第四層</a:t>
             </a:r>
           </a:p>
           <a:p>
             <a:pPr lvl="4"/>
             <a:r>
-              <a:rPr lang="zh-TW" altLang="en-US" smtClean="0"/>
+              <a:rPr lang="zh-TW" altLang="en-US"/>
               <a:t>第五層</a:t>
             </a:r>
-            <a:endParaRPr lang="zh-TW" altLang="en-US"/>
           </a:p>
         </p:txBody>
       </p:sp>
@@ -516,10 +512,9 @@
           <a:lstStyle/>
           <a:p>
             <a:r>
-              <a:rPr lang="zh-TW" altLang="en-US" smtClean="0"/>
+              <a:rPr lang="zh-TW" altLang="en-US"/>
               <a:t>按一下以編輯母片標題樣式</a:t>
             </a:r>
-            <a:endParaRPr lang="zh-TW" altLang="en-US"/>
           </a:p>
         </p:txBody>
       </p:sp>
@@ -545,38 +540,37 @@
           <a:p>
             <a:pPr lvl="0"/>
             <a:r>
-              <a:rPr lang="zh-TW" altLang="en-US" smtClean="0"/>
+              <a:rPr lang="zh-TW" altLang="en-US"/>
               <a:t>編輯母片文字樣式</a:t>
             </a:r>
           </a:p>
           <a:p>
             <a:pPr lvl="1"/>
             <a:r>
-              <a:rPr lang="zh-TW" altLang="en-US" smtClean="0"/>
+              <a:rPr lang="zh-TW" altLang="en-US"/>
               <a:t>第二層</a:t>
             </a:r>
           </a:p>
           <a:p>
             <a:pPr lvl="2"/>
             <a:r>
-              <a:rPr lang="zh-TW" altLang="en-US" smtClean="0"/>
+              <a:rPr lang="zh-TW" altLang="en-US"/>
               <a:t>第三層</a:t>
             </a:r>
           </a:p>
           <a:p>
             <a:pPr lvl="3"/>
             <a:r>
-              <a:rPr lang="zh-TW" altLang="en-US" smtClean="0"/>
+              <a:rPr lang="zh-TW" altLang="en-US"/>
               <a:t>第四層</a:t>
             </a:r>
           </a:p>
           <a:p>
             <a:pPr lvl="4"/>
             <a:r>
-              <a:rPr lang="zh-TW" altLang="en-US" smtClean="0"/>
+              <a:rPr lang="zh-TW" altLang="en-US"/>
               <a:t>第五層</a:t>
             </a:r>
-            <a:endParaRPr lang="zh-TW" altLang="en-US"/>
           </a:p>
         </p:txBody>
       </p:sp>
@@ -691,10 +685,9 @@
           <a:lstStyle/>
           <a:p>
             <a:r>
-              <a:rPr lang="zh-TW" altLang="en-US" smtClean="0"/>
+              <a:rPr lang="zh-TW" altLang="en-US"/>
               <a:t>按一下以編輯母片標題樣式</a:t>
             </a:r>
-            <a:endParaRPr lang="zh-TW" altLang="en-US"/>
           </a:p>
         </p:txBody>
       </p:sp>
@@ -715,38 +708,37 @@
           <a:p>
             <a:pPr lvl="0"/>
             <a:r>
-              <a:rPr lang="zh-TW" altLang="en-US" smtClean="0"/>
+              <a:rPr lang="zh-TW" altLang="en-US"/>
               <a:t>編輯母片文字樣式</a:t>
             </a:r>
           </a:p>
           <a:p>
             <a:pPr lvl="1"/>
             <a:r>
-              <a:rPr lang="zh-TW" altLang="en-US" smtClean="0"/>
+              <a:rPr lang="zh-TW" altLang="en-US"/>
               <a:t>第二層</a:t>
             </a:r>
           </a:p>
           <a:p>
             <a:pPr lvl="2"/>
             <a:r>
-              <a:rPr lang="zh-TW" altLang="en-US" smtClean="0"/>
+              <a:rPr lang="zh-TW" altLang="en-US"/>
               <a:t>第三層</a:t>
             </a:r>
           </a:p>
           <a:p>
             <a:pPr lvl="3"/>
             <a:r>
-              <a:rPr lang="zh-TW" altLang="en-US" smtClean="0"/>
+              <a:rPr lang="zh-TW" altLang="en-US"/>
               <a:t>第四層</a:t>
             </a:r>
           </a:p>
           <a:p>
             <a:pPr lvl="4"/>
             <a:r>
-              <a:rPr lang="zh-TW" altLang="en-US" smtClean="0"/>
+              <a:rPr lang="zh-TW" altLang="en-US"/>
               <a:t>第五層</a:t>
             </a:r>
-            <a:endParaRPr lang="zh-TW" altLang="en-US"/>
           </a:p>
         </p:txBody>
       </p:sp>
@@ -870,10 +862,9 @@
           </a:lstStyle>
           <a:p>
             <a:r>
-              <a:rPr lang="zh-TW" altLang="en-US" smtClean="0"/>
+              <a:rPr lang="zh-TW" altLang="en-US"/>
               <a:t>按一下以編輯母片標題樣式</a:t>
             </a:r>
-            <a:endParaRPr lang="zh-TW" altLang="en-US"/>
           </a:p>
         </p:txBody>
       </p:sp>
@@ -990,7 +981,7 @@
           <a:p>
             <a:pPr lvl="0"/>
             <a:r>
-              <a:rPr lang="zh-TW" altLang="en-US" smtClean="0"/>
+              <a:rPr lang="zh-TW" altLang="en-US"/>
               <a:t>編輯母片文字樣式</a:t>
             </a:r>
           </a:p>
@@ -1107,10 +1098,9 @@
           <a:lstStyle/>
           <a:p>
             <a:r>
-              <a:rPr lang="zh-TW" altLang="en-US" smtClean="0"/>
+              <a:rPr lang="zh-TW" altLang="en-US"/>
               <a:t>按一下以編輯母片標題樣式</a:t>
             </a:r>
-            <a:endParaRPr lang="zh-TW" altLang="en-US"/>
           </a:p>
         </p:txBody>
       </p:sp>
@@ -1136,38 +1126,37 @@
           <a:p>
             <a:pPr lvl="0"/>
             <a:r>
-              <a:rPr lang="zh-TW" altLang="en-US" smtClean="0"/>
+              <a:rPr lang="zh-TW" altLang="en-US"/>
               <a:t>編輯母片文字樣式</a:t>
             </a:r>
           </a:p>
           <a:p>
             <a:pPr lvl="1"/>
             <a:r>
-              <a:rPr lang="zh-TW" altLang="en-US" smtClean="0"/>
+              <a:rPr lang="zh-TW" altLang="en-US"/>
               <a:t>第二層</a:t>
             </a:r>
           </a:p>
           <a:p>
             <a:pPr lvl="2"/>
             <a:r>
-              <a:rPr lang="zh-TW" altLang="en-US" smtClean="0"/>
+              <a:rPr lang="zh-TW" altLang="en-US"/>
               <a:t>第三層</a:t>
             </a:r>
           </a:p>
           <a:p>
             <a:pPr lvl="3"/>
             <a:r>
-              <a:rPr lang="zh-TW" altLang="en-US" smtClean="0"/>
+              <a:rPr lang="zh-TW" altLang="en-US"/>
               <a:t>第四層</a:t>
             </a:r>
           </a:p>
           <a:p>
             <a:pPr lvl="4"/>
             <a:r>
-              <a:rPr lang="zh-TW" altLang="en-US" smtClean="0"/>
+              <a:rPr lang="zh-TW" altLang="en-US"/>
               <a:t>第五層</a:t>
             </a:r>
-            <a:endParaRPr lang="zh-TW" altLang="en-US"/>
           </a:p>
         </p:txBody>
       </p:sp>
@@ -1193,38 +1182,37 @@
           <a:p>
             <a:pPr lvl="0"/>
             <a:r>
-              <a:rPr lang="zh-TW" altLang="en-US" smtClean="0"/>
+              <a:rPr lang="zh-TW" altLang="en-US"/>
               <a:t>編輯母片文字樣式</a:t>
             </a:r>
           </a:p>
           <a:p>
             <a:pPr lvl="1"/>
             <a:r>
-              <a:rPr lang="zh-TW" altLang="en-US" smtClean="0"/>
+              <a:rPr lang="zh-TW" altLang="en-US"/>
               <a:t>第二層</a:t>
             </a:r>
           </a:p>
           <a:p>
             <a:pPr lvl="2"/>
             <a:r>
-              <a:rPr lang="zh-TW" altLang="en-US" smtClean="0"/>
+              <a:rPr lang="zh-TW" altLang="en-US"/>
               <a:t>第三層</a:t>
             </a:r>
           </a:p>
           <a:p>
             <a:pPr lvl="3"/>
             <a:r>
-              <a:rPr lang="zh-TW" altLang="en-US" smtClean="0"/>
+              <a:rPr lang="zh-TW" altLang="en-US"/>
               <a:t>第四層</a:t>
             </a:r>
           </a:p>
           <a:p>
             <a:pPr lvl="4"/>
             <a:r>
-              <a:rPr lang="zh-TW" altLang="en-US" smtClean="0"/>
+              <a:rPr lang="zh-TW" altLang="en-US"/>
               <a:t>第五層</a:t>
             </a:r>
-            <a:endParaRPr lang="zh-TW" altLang="en-US"/>
           </a:p>
         </p:txBody>
       </p:sp>
@@ -1344,10 +1332,9 @@
           <a:lstStyle/>
           <a:p>
             <a:r>
-              <a:rPr lang="zh-TW" altLang="en-US" smtClean="0"/>
+              <a:rPr lang="zh-TW" altLang="en-US"/>
               <a:t>按一下以編輯母片標題樣式</a:t>
             </a:r>
-            <a:endParaRPr lang="zh-TW" altLang="en-US"/>
           </a:p>
         </p:txBody>
       </p:sp>
@@ -1410,7 +1397,7 @@
           <a:p>
             <a:pPr lvl="0"/>
             <a:r>
-              <a:rPr lang="zh-TW" altLang="en-US" smtClean="0"/>
+              <a:rPr lang="zh-TW" altLang="en-US"/>
               <a:t>編輯母片文字樣式</a:t>
             </a:r>
           </a:p>
@@ -1438,38 +1425,37 @@
           <a:p>
             <a:pPr lvl="0"/>
             <a:r>
-              <a:rPr lang="zh-TW" altLang="en-US" smtClean="0"/>
+              <a:rPr lang="zh-TW" altLang="en-US"/>
               <a:t>編輯母片文字樣式</a:t>
             </a:r>
           </a:p>
           <a:p>
             <a:pPr lvl="1"/>
             <a:r>
-              <a:rPr lang="zh-TW" altLang="en-US" smtClean="0"/>
+              <a:rPr lang="zh-TW" altLang="en-US"/>
               <a:t>第二層</a:t>
             </a:r>
           </a:p>
           <a:p>
             <a:pPr lvl="2"/>
             <a:r>
-              <a:rPr lang="zh-TW" altLang="en-US" smtClean="0"/>
+              <a:rPr lang="zh-TW" altLang="en-US"/>
               <a:t>第三層</a:t>
             </a:r>
           </a:p>
           <a:p>
             <a:pPr lvl="3"/>
             <a:r>
-              <a:rPr lang="zh-TW" altLang="en-US" smtClean="0"/>
+              <a:rPr lang="zh-TW" altLang="en-US"/>
               <a:t>第四層</a:t>
             </a:r>
           </a:p>
           <a:p>
             <a:pPr lvl="4"/>
             <a:r>
-              <a:rPr lang="zh-TW" altLang="en-US" smtClean="0"/>
+              <a:rPr lang="zh-TW" altLang="en-US"/>
               <a:t>第五層</a:t>
             </a:r>
-            <a:endParaRPr lang="zh-TW" altLang="en-US"/>
           </a:p>
         </p:txBody>
       </p:sp>
@@ -1532,7 +1518,7 @@
           <a:p>
             <a:pPr lvl="0"/>
             <a:r>
-              <a:rPr lang="zh-TW" altLang="en-US" smtClean="0"/>
+              <a:rPr lang="zh-TW" altLang="en-US"/>
               <a:t>編輯母片文字樣式</a:t>
             </a:r>
           </a:p>
@@ -1560,38 +1546,37 @@
           <a:p>
             <a:pPr lvl="0"/>
             <a:r>
-              <a:rPr lang="zh-TW" altLang="en-US" smtClean="0"/>
+              <a:rPr lang="zh-TW" altLang="en-US"/>
               <a:t>編輯母片文字樣式</a:t>
             </a:r>
           </a:p>
           <a:p>
             <a:pPr lvl="1"/>
             <a:r>
-              <a:rPr lang="zh-TW" altLang="en-US" smtClean="0"/>
+              <a:rPr lang="zh-TW" altLang="en-US"/>
               <a:t>第二層</a:t>
             </a:r>
           </a:p>
           <a:p>
             <a:pPr lvl="2"/>
             <a:r>
-              <a:rPr lang="zh-TW" altLang="en-US" smtClean="0"/>
+              <a:rPr lang="zh-TW" altLang="en-US"/>
               <a:t>第三層</a:t>
             </a:r>
           </a:p>
           <a:p>
             <a:pPr lvl="3"/>
             <a:r>
-              <a:rPr lang="zh-TW" altLang="en-US" smtClean="0"/>
+              <a:rPr lang="zh-TW" altLang="en-US"/>
               <a:t>第四層</a:t>
             </a:r>
           </a:p>
           <a:p>
             <a:pPr lvl="4"/>
             <a:r>
-              <a:rPr lang="zh-TW" altLang="en-US" smtClean="0"/>
+              <a:rPr lang="zh-TW" altLang="en-US"/>
               <a:t>第五層</a:t>
             </a:r>
-            <a:endParaRPr lang="zh-TW" altLang="en-US"/>
           </a:p>
         </p:txBody>
       </p:sp>
@@ -1706,10 +1691,9 @@
           <a:lstStyle/>
           <a:p>
             <a:r>
-              <a:rPr lang="zh-TW" altLang="en-US" smtClean="0"/>
+              <a:rPr lang="zh-TW" altLang="en-US"/>
               <a:t>按一下以編輯母片標題樣式</a:t>
             </a:r>
-            <a:endParaRPr lang="zh-TW" altLang="en-US"/>
           </a:p>
         </p:txBody>
       </p:sp>
@@ -1928,10 +1912,9 @@
           </a:lstStyle>
           <a:p>
             <a:r>
-              <a:rPr lang="zh-TW" altLang="en-US" smtClean="0"/>
+              <a:rPr lang="zh-TW" altLang="en-US"/>
               <a:t>按一下以編輯母片標題樣式</a:t>
             </a:r>
-            <a:endParaRPr lang="zh-TW" altLang="en-US"/>
           </a:p>
         </p:txBody>
       </p:sp>
@@ -1985,38 +1968,37 @@
           <a:p>
             <a:pPr lvl="0"/>
             <a:r>
-              <a:rPr lang="zh-TW" altLang="en-US" smtClean="0"/>
+              <a:rPr lang="zh-TW" altLang="en-US"/>
               <a:t>編輯母片文字樣式</a:t>
             </a:r>
           </a:p>
           <a:p>
             <a:pPr lvl="1"/>
             <a:r>
-              <a:rPr lang="zh-TW" altLang="en-US" smtClean="0"/>
+              <a:rPr lang="zh-TW" altLang="en-US"/>
               <a:t>第二層</a:t>
             </a:r>
           </a:p>
           <a:p>
             <a:pPr lvl="2"/>
             <a:r>
-              <a:rPr lang="zh-TW" altLang="en-US" smtClean="0"/>
+              <a:rPr lang="zh-TW" altLang="en-US"/>
               <a:t>第三層</a:t>
             </a:r>
           </a:p>
           <a:p>
             <a:pPr lvl="3"/>
             <a:r>
-              <a:rPr lang="zh-TW" altLang="en-US" smtClean="0"/>
+              <a:rPr lang="zh-TW" altLang="en-US"/>
               <a:t>第四層</a:t>
             </a:r>
           </a:p>
           <a:p>
             <a:pPr lvl="4"/>
             <a:r>
-              <a:rPr lang="zh-TW" altLang="en-US" smtClean="0"/>
+              <a:rPr lang="zh-TW" altLang="en-US"/>
               <a:t>第五層</a:t>
             </a:r>
-            <a:endParaRPr lang="zh-TW" altLang="en-US"/>
           </a:p>
         </p:txBody>
       </p:sp>
@@ -2079,7 +2061,7 @@
           <a:p>
             <a:pPr lvl="0"/>
             <a:r>
-              <a:rPr lang="zh-TW" altLang="en-US" smtClean="0"/>
+              <a:rPr lang="zh-TW" altLang="en-US"/>
               <a:t>編輯母片文字樣式</a:t>
             </a:r>
           </a:p>
@@ -2205,10 +2187,9 @@
           </a:lstStyle>
           <a:p>
             <a:r>
-              <a:rPr lang="zh-TW" altLang="en-US" smtClean="0"/>
+              <a:rPr lang="zh-TW" altLang="en-US"/>
               <a:t>按一下以編輯母片標題樣式</a:t>
             </a:r>
-            <a:endParaRPr lang="zh-TW" altLang="en-US"/>
           </a:p>
         </p:txBody>
       </p:sp>
@@ -2332,7 +2313,7 @@
           <a:p>
             <a:pPr lvl="0"/>
             <a:r>
-              <a:rPr lang="zh-TW" altLang="en-US" smtClean="0"/>
+              <a:rPr lang="zh-TW" altLang="en-US"/>
               <a:t>編輯母片文字樣式</a:t>
             </a:r>
           </a:p>
@@ -2464,10 +2445,9 @@
           <a:lstStyle/>
           <a:p>
             <a:r>
-              <a:rPr lang="zh-TW" altLang="en-US" smtClean="0"/>
+              <a:rPr lang="zh-TW" altLang="en-US"/>
               <a:t>按一下以編輯母片標題樣式</a:t>
             </a:r>
-            <a:endParaRPr lang="zh-TW" altLang="en-US"/>
           </a:p>
         </p:txBody>
       </p:sp>
@@ -2498,38 +2478,37 @@
           <a:p>
             <a:pPr lvl="0"/>
             <a:r>
-              <a:rPr lang="zh-TW" altLang="en-US" smtClean="0"/>
+              <a:rPr lang="zh-TW" altLang="en-US"/>
               <a:t>編輯母片文字樣式</a:t>
             </a:r>
           </a:p>
           <a:p>
             <a:pPr lvl="1"/>
             <a:r>
-              <a:rPr lang="zh-TW" altLang="en-US" smtClean="0"/>
+              <a:rPr lang="zh-TW" altLang="en-US"/>
               <a:t>第二層</a:t>
             </a:r>
           </a:p>
           <a:p>
             <a:pPr lvl="2"/>
             <a:r>
-              <a:rPr lang="zh-TW" altLang="en-US" smtClean="0"/>
+              <a:rPr lang="zh-TW" altLang="en-US"/>
               <a:t>第三層</a:t>
             </a:r>
           </a:p>
           <a:p>
             <a:pPr lvl="3"/>
             <a:r>
-              <a:rPr lang="zh-TW" altLang="en-US" smtClean="0"/>
+              <a:rPr lang="zh-TW" altLang="en-US"/>
               <a:t>第四層</a:t>
             </a:r>
           </a:p>
           <a:p>
             <a:pPr lvl="4"/>
             <a:r>
-              <a:rPr lang="zh-TW" altLang="en-US" smtClean="0"/>
+              <a:rPr lang="zh-TW" altLang="en-US"/>
               <a:t>第五層</a:t>
             </a:r>
-            <a:endParaRPr lang="zh-TW" altLang="en-US"/>
           </a:p>
         </p:txBody>
       </p:sp>
@@ -2991,10 +2970,9 @@
           <a:lstStyle/>
           <a:p>
             <a:r>
-              <a:rPr lang="zh-TW" altLang="en-US" sz="3200" b="1" dirty="0" smtClean="0"/>
+              <a:rPr lang="zh-TW" altLang="en-US" sz="3200" b="1" dirty="0"/>
               <a:t>預估新增項目</a:t>
             </a:r>
-            <a:endParaRPr lang="zh-TW" altLang="en-US" sz="3200" b="1" dirty="0"/>
           </a:p>
         </p:txBody>
       </p:sp>
@@ -3021,8 +2999,8 @@
         </p:blipFill>
         <p:spPr>
           <a:xfrm>
-            <a:off x="6162168" y="1088478"/>
-            <a:ext cx="5544317" cy="1966912"/>
+            <a:off x="6118082" y="1236644"/>
+            <a:ext cx="5275896" cy="1871686"/>
           </a:xfrm>
         </p:spPr>
       </p:pic>
@@ -3048,8 +3026,8 @@
         </p:blipFill>
         <p:spPr>
           <a:xfrm>
-            <a:off x="897468" y="3879335"/>
-            <a:ext cx="5522478" cy="2275931"/>
+            <a:off x="720517" y="3773064"/>
+            <a:ext cx="5118823" cy="2109576"/>
           </a:xfrm>
           <a:prstGeom prst="rect">
             <a:avLst/>
@@ -3078,8 +3056,8 @@
         </p:blipFill>
         <p:spPr>
           <a:xfrm>
-            <a:off x="6896018" y="3879335"/>
-            <a:ext cx="4457782" cy="2352131"/>
+            <a:off x="6255460" y="3371427"/>
+            <a:ext cx="5001140" cy="2638831"/>
           </a:xfrm>
           <a:prstGeom prst="rect">
             <a:avLst/>
@@ -3273,55 +3251,35 @@
           </a:lstStyle>
           <a:p>
             <a:r>
-              <a:rPr lang="zh-TW" altLang="en-US" sz="2000" dirty="0" smtClean="0"/>
+              <a:rPr lang="zh-TW" altLang="en-US" sz="2000" dirty="0"/>
               <a:t>肱二頭肌手臂屈舉 </a:t>
             </a:r>
             <a:r>
-              <a:rPr lang="en-US" altLang="zh-TW" sz="2000" dirty="0" smtClean="0"/>
+              <a:rPr lang="en-US" altLang="zh-TW" sz="2000" dirty="0"/>
               <a:t>(</a:t>
             </a:r>
             <a:r>
-              <a:rPr lang="zh-TW" altLang="en-US" sz="2000" dirty="0" smtClean="0"/>
+              <a:rPr lang="zh-TW" altLang="en-US" sz="2000" dirty="0"/>
               <a:t>已新增</a:t>
             </a:r>
             <a:r>
-              <a:rPr lang="en-US" altLang="zh-TW" sz="2000" dirty="0" smtClean="0"/>
+              <a:rPr lang="en-US" altLang="zh-TW" sz="2000" dirty="0"/>
               <a:t>)</a:t>
             </a:r>
           </a:p>
           <a:p>
             <a:r>
-              <a:rPr lang="zh-TW" altLang="en-US" sz="2000" dirty="0" smtClean="0"/>
-              <a:t>抓</a:t>
-            </a:r>
-            <a:r>
               <a:rPr lang="zh-TW" altLang="en-US" sz="2000" dirty="0"/>
-              <a:t>背</a:t>
-            </a:r>
-            <a:r>
-              <a:rPr lang="zh-TW" altLang="en-US" sz="2000" dirty="0" smtClean="0"/>
-              <a:t>測驗</a:t>
-            </a:r>
-            <a:endParaRPr lang="en-US" altLang="zh-TW" sz="2000" dirty="0" smtClean="0"/>
-          </a:p>
-          <a:p>
-            <a:r>
-              <a:rPr lang="zh-TW" altLang="en-US" sz="2000" dirty="0" smtClean="0"/>
-              <a:t>椅子</a:t>
-            </a:r>
+              <a:t>抓背測驗</a:t>
+            </a:r>
+            <a:endParaRPr lang="en-US" altLang="zh-TW" sz="2000" dirty="0"/>
+          </a:p>
+          <a:p>
             <a:r>
               <a:rPr lang="zh-TW" altLang="en-US" sz="2000" dirty="0"/>
-              <a:t>坐</a:t>
-            </a:r>
-            <a:r>
-              <a:rPr lang="zh-TW" altLang="en-US" sz="2000" dirty="0" smtClean="0"/>
-              <a:t>立繞</a:t>
-            </a:r>
-            <a:r>
-              <a:rPr lang="zh-TW" altLang="en-US" sz="2000" dirty="0"/>
-              <a:t>物</a:t>
-            </a:r>
-            <a:endParaRPr lang="en-US" altLang="zh-TW" sz="2000" dirty="0" smtClean="0"/>
+              <a:t>椅子坐立繞物</a:t>
+            </a:r>
+            <a:endParaRPr lang="en-US" altLang="zh-TW" sz="2000" dirty="0"/>
           </a:p>
           <a:p>
             <a:endParaRPr lang="zh-TW" altLang="en-US" sz="2000" dirty="0"/>
@@ -3376,10 +3334,9 @@
           <a:lstStyle/>
           <a:p>
             <a:r>
-              <a:rPr lang="zh-TW" altLang="en-US" sz="3200" b="1" dirty="0" smtClean="0"/>
+              <a:rPr lang="zh-TW" altLang="en-US" sz="3200" b="1" dirty="0"/>
               <a:t>角度測試</a:t>
             </a:r>
-            <a:endParaRPr lang="zh-TW" altLang="en-US" sz="3200" b="1" dirty="0"/>
           </a:p>
         </p:txBody>
       </p:sp>
@@ -3455,10 +3412,9 @@
                     <a:p>
                       <a:pPr algn="ctr"/>
                       <a:r>
-                        <a:rPr lang="zh-TW" altLang="en-US" dirty="0" smtClean="0"/>
+                        <a:rPr lang="zh-TW" altLang="en-US" dirty="0"/>
                         <a:t>正面</a:t>
                       </a:r>
-                      <a:endParaRPr lang="zh-TW" altLang="en-US" dirty="0"/>
                     </a:p>
                   </a:txBody>
                   <a:tcPr/>
@@ -3470,27 +3426,27 @@
                     <a:p>
                       <a:pPr algn="ctr"/>
                       <a:r>
-                        <a:rPr lang="zh-TW" altLang="en-US" dirty="0" smtClean="0"/>
+                        <a:rPr lang="zh-TW" altLang="en-US" dirty="0"/>
                         <a:t>斜側面 </a:t>
                       </a:r>
                       <a:r>
-                        <a:rPr lang="en-US" altLang="zh-TW" dirty="0" smtClean="0"/>
+                        <a:rPr lang="en-US" altLang="zh-TW" dirty="0"/>
                         <a:t>(</a:t>
                       </a:r>
                       <a:r>
-                        <a:rPr lang="zh-TW" altLang="en-US" dirty="0" smtClean="0"/>
+                        <a:rPr lang="zh-TW" altLang="en-US" dirty="0"/>
                         <a:t>約</a:t>
                       </a:r>
                       <a:r>
-                        <a:rPr lang="en-US" altLang="zh-TW" dirty="0" smtClean="0"/>
+                        <a:rPr lang="en-US" altLang="zh-TW" dirty="0"/>
                         <a:t>45</a:t>
                       </a:r>
                       <a:r>
-                        <a:rPr lang="zh-TW" altLang="en-US" dirty="0" smtClean="0"/>
+                        <a:rPr lang="zh-TW" altLang="en-US" dirty="0"/>
                         <a:t>度</a:t>
                       </a:r>
                       <a:r>
-                        <a:rPr lang="en-US" altLang="zh-TW" dirty="0" smtClean="0"/>
+                        <a:rPr lang="en-US" altLang="zh-TW" dirty="0"/>
                         <a:t>)</a:t>
                       </a:r>
                       <a:endParaRPr lang="zh-TW" altLang="en-US" dirty="0"/>
@@ -3505,19 +3461,19 @@
                     <a:p>
                       <a:pPr algn="ctr"/>
                       <a:r>
-                        <a:rPr lang="zh-TW" altLang="en-US" dirty="0" smtClean="0"/>
+                        <a:rPr lang="zh-TW" altLang="en-US" dirty="0"/>
                         <a:t>完全側面 </a:t>
                       </a:r>
                       <a:r>
-                        <a:rPr lang="en-US" altLang="zh-TW" dirty="0" smtClean="0"/>
+                        <a:rPr lang="en-US" altLang="zh-TW" dirty="0"/>
                         <a:t>(90</a:t>
                       </a:r>
                       <a:r>
-                        <a:rPr lang="zh-TW" altLang="en-US" dirty="0" smtClean="0"/>
+                        <a:rPr lang="zh-TW" altLang="en-US" dirty="0"/>
                         <a:t>度</a:t>
                       </a:r>
                       <a:r>
-                        <a:rPr lang="en-US" altLang="zh-TW" dirty="0" smtClean="0"/>
+                        <a:rPr lang="en-US" altLang="zh-TW" dirty="0"/>
                         <a:t>)</a:t>
                       </a:r>
                       <a:endParaRPr lang="zh-TW" altLang="en-US" dirty="0"/>
@@ -3555,7 +3511,7 @@
                         <a:defRPr/>
                       </a:pPr>
                       <a:r>
-                        <a:rPr lang="zh-TW" altLang="en-US" sz="1800" b="0" kern="1200" dirty="0" smtClean="0">
+                        <a:rPr lang="zh-TW" altLang="en-US" sz="1800" b="0" kern="1200" dirty="0">
                           <a:solidFill>
                             <a:schemeClr val="dk1"/>
                           </a:solidFill>
@@ -3577,7 +3533,7 @@
                     <a:p>
                       <a:pPr algn="ctr"/>
                       <a:r>
-                        <a:rPr lang="en-US" altLang="zh-TW" dirty="0" smtClean="0"/>
+                        <a:rPr lang="en-US" altLang="zh-TW" dirty="0"/>
                         <a:t>X</a:t>
                       </a:r>
                       <a:endParaRPr lang="zh-TW" altLang="en-US" dirty="0"/>
@@ -3592,7 +3548,7 @@
                     <a:p>
                       <a:pPr algn="ctr"/>
                       <a:r>
-                        <a:rPr lang="en-US" altLang="zh-TW" dirty="0" smtClean="0"/>
+                        <a:rPr lang="en-US" altLang="zh-TW" dirty="0"/>
                         <a:t>O</a:t>
                       </a:r>
                       <a:endParaRPr lang="zh-TW" altLang="en-US" dirty="0"/>
@@ -3607,7 +3563,7 @@
                     <a:p>
                       <a:pPr algn="ctr"/>
                       <a:r>
-                        <a:rPr lang="en-US" altLang="zh-TW" dirty="0" smtClean="0"/>
+                        <a:rPr lang="en-US" altLang="zh-TW" dirty="0"/>
                         <a:t>O</a:t>
                       </a:r>
                       <a:endParaRPr lang="zh-TW" altLang="en-US" dirty="0"/>
@@ -3645,7 +3601,7 @@
                         <a:defRPr/>
                       </a:pPr>
                       <a:r>
-                        <a:rPr lang="zh-TW" altLang="en-US" sz="1800" b="0" kern="1200" dirty="0" smtClean="0">
+                        <a:rPr lang="zh-TW" altLang="en-US" sz="1800" b="0" kern="1200" dirty="0">
                           <a:solidFill>
                             <a:schemeClr val="dk1"/>
                           </a:solidFill>
@@ -3667,7 +3623,7 @@
                     <a:p>
                       <a:pPr algn="ctr"/>
                       <a:r>
-                        <a:rPr lang="en-US" altLang="zh-TW" dirty="0" smtClean="0"/>
+                        <a:rPr lang="en-US" altLang="zh-TW" dirty="0"/>
                         <a:t>X</a:t>
                       </a:r>
                       <a:endParaRPr lang="zh-TW" altLang="en-US" dirty="0"/>
@@ -3682,7 +3638,7 @@
                     <a:p>
                       <a:pPr algn="ctr"/>
                       <a:r>
-                        <a:rPr lang="en-US" altLang="zh-TW" dirty="0" smtClean="0"/>
+                        <a:rPr lang="en-US" altLang="zh-TW" dirty="0"/>
                         <a:t>O</a:t>
                       </a:r>
                       <a:endParaRPr lang="zh-TW" altLang="en-US" dirty="0"/>
@@ -3697,7 +3653,7 @@
                     <a:p>
                       <a:pPr algn="ctr"/>
                       <a:r>
-                        <a:rPr lang="en-US" altLang="zh-TW" dirty="0" smtClean="0"/>
+                        <a:rPr lang="en-US" altLang="zh-TW" dirty="0"/>
                         <a:t>O</a:t>
                       </a:r>
                       <a:endParaRPr lang="zh-TW" altLang="en-US" dirty="0"/>
@@ -3735,7 +3691,7 @@
                         <a:defRPr/>
                       </a:pPr>
                       <a:r>
-                        <a:rPr lang="zh-TW" altLang="en-US" sz="1800" b="0" kern="1200" dirty="0" smtClean="0">
+                        <a:rPr lang="zh-TW" altLang="en-US" sz="1800" b="0" kern="1200" dirty="0">
                           <a:solidFill>
                             <a:schemeClr val="dk1"/>
                           </a:solidFill>
@@ -3757,7 +3713,7 @@
                     <a:p>
                       <a:pPr algn="ctr"/>
                       <a:r>
-                        <a:rPr lang="en-US" altLang="zh-TW" dirty="0" smtClean="0"/>
+                        <a:rPr lang="en-US" altLang="zh-TW" dirty="0"/>
                         <a:t>O</a:t>
                       </a:r>
                       <a:endParaRPr lang="zh-TW" altLang="en-US" dirty="0"/>
@@ -3772,7 +3728,7 @@
                     <a:p>
                       <a:pPr algn="ctr"/>
                       <a:r>
-                        <a:rPr lang="en-US" altLang="zh-TW" dirty="0" smtClean="0"/>
+                        <a:rPr lang="en-US" altLang="zh-TW" dirty="0"/>
                         <a:t>O</a:t>
                       </a:r>
                       <a:endParaRPr lang="zh-TW" altLang="en-US" dirty="0"/>
@@ -3787,7 +3743,7 @@
                     <a:p>
                       <a:pPr algn="ctr"/>
                       <a:r>
-                        <a:rPr lang="en-US" altLang="zh-TW" dirty="0" smtClean="0"/>
+                        <a:rPr lang="en-US" altLang="zh-TW" dirty="0"/>
                         <a:t>O</a:t>
                       </a:r>
                       <a:endParaRPr lang="zh-TW" altLang="en-US" dirty="0"/>
@@ -3825,7 +3781,7 @@
                         <a:defRPr/>
                       </a:pPr>
                       <a:r>
-                        <a:rPr lang="zh-TW" altLang="en-US" sz="1800" b="0" kern="1200" dirty="0" smtClean="0">
+                        <a:rPr lang="zh-TW" altLang="en-US" sz="1800" b="0" kern="1200" dirty="0">
                           <a:solidFill>
                             <a:schemeClr val="dk1"/>
                           </a:solidFill>
@@ -3847,7 +3803,7 @@
                     <a:p>
                       <a:pPr algn="ctr"/>
                       <a:r>
-                        <a:rPr lang="en-US" altLang="zh-TW" dirty="0" smtClean="0"/>
+                        <a:rPr lang="en-US" altLang="zh-TW" dirty="0"/>
                         <a:t>O</a:t>
                       </a:r>
                       <a:endParaRPr lang="zh-TW" altLang="en-US" dirty="0"/>
@@ -3862,7 +3818,7 @@
                     <a:p>
                       <a:pPr algn="ctr"/>
                       <a:r>
-                        <a:rPr lang="en-US" altLang="zh-TW" dirty="0" smtClean="0"/>
+                        <a:rPr lang="en-US" altLang="zh-TW" dirty="0"/>
                         <a:t>O</a:t>
                       </a:r>
                       <a:endParaRPr lang="zh-TW" altLang="en-US" dirty="0"/>
@@ -3877,7 +3833,7 @@
                     <a:p>
                       <a:pPr algn="ctr"/>
                       <a:r>
-                        <a:rPr lang="en-US" altLang="zh-TW" dirty="0" smtClean="0"/>
+                        <a:rPr lang="en-US" altLang="zh-TW" dirty="0"/>
                         <a:t>O</a:t>
                       </a:r>
                       <a:endParaRPr lang="zh-TW" altLang="en-US" dirty="0"/>
@@ -3948,10 +3904,9 @@
           <a:lstStyle/>
           <a:p>
             <a:r>
-              <a:rPr lang="zh-TW" altLang="en-US" sz="3200" b="1" dirty="0" smtClean="0"/>
+              <a:rPr lang="zh-TW" altLang="en-US" sz="3200" b="1" dirty="0"/>
               <a:t>待解決問題</a:t>
             </a:r>
-            <a:endParaRPr lang="zh-TW" altLang="en-US" sz="3200" b="1" dirty="0"/>
           </a:p>
         </p:txBody>
       </p:sp>
@@ -3984,36 +3939,27 @@
             </a:pPr>
             <a:r>
               <a:rPr lang="zh-TW" altLang="en-US" sz="2000" dirty="0"/>
-              <a:t>無法測量直立拍攝的影片，且影片輸出時會轉為橫</a:t>
-            </a:r>
-            <a:r>
-              <a:rPr lang="zh-TW" altLang="en-US" sz="2000" dirty="0" smtClean="0"/>
-              <a:t>的，左上角計數文字消失不見</a:t>
-            </a:r>
-            <a:r>
-              <a:rPr lang="en-US" altLang="zh-TW" sz="2000" dirty="0" smtClean="0"/>
-              <a:t/>
+              <a:t>無法測量直立拍攝的影片，且影片輸出時會轉為橫的，左上角計數文字消失不見</a:t>
             </a:r>
             <a:br>
-              <a:rPr lang="en-US" altLang="zh-TW" sz="2000" dirty="0" smtClean="0"/>
+              <a:rPr lang="en-US" altLang="zh-TW" sz="2000" dirty="0"/>
             </a:br>
             <a:r>
-              <a:rPr lang="zh-TW" altLang="en-US" sz="2000" dirty="0" smtClean="0"/>
+              <a:rPr lang="zh-TW" altLang="en-US" sz="2000" dirty="0"/>
               <a:t>且曾有直立影片無法輸出 </a:t>
             </a:r>
             <a:r>
-              <a:rPr lang="en-US" altLang="zh-TW" sz="2000" dirty="0" smtClean="0"/>
+              <a:rPr lang="en-US" altLang="zh-TW" sz="2000" dirty="0"/>
               <a:t>(</a:t>
             </a:r>
             <a:r>
-              <a:rPr lang="zh-TW" altLang="en-US" sz="2000" dirty="0" smtClean="0"/>
+              <a:rPr lang="zh-TW" altLang="en-US" sz="2000" dirty="0"/>
               <a:t>目前為個例</a:t>
             </a:r>
             <a:r>
-              <a:rPr lang="en-US" altLang="zh-TW" sz="2000" dirty="0" smtClean="0"/>
+              <a:rPr lang="en-US" altLang="zh-TW" sz="2000" dirty="0"/>
               <a:t>)</a:t>
             </a:r>
-            <a:endParaRPr lang="en-US" altLang="zh-TW" sz="2000" dirty="0"/>
           </a:p>
           <a:p>
             <a:pPr marL="285750" indent="-285750">
@@ -4041,111 +3987,95 @@
               <a:rPr lang="zh-TW" altLang="en-US" sz="2000" dirty="0"/>
               <a:t>秒</a:t>
             </a:r>
-            <a:r>
-              <a:rPr lang="en-US" altLang="zh-TW" sz="2000" dirty="0"/>
-              <a:t/>
-            </a:r>
             <a:br>
               <a:rPr lang="en-US" altLang="zh-TW" sz="2000" dirty="0"/>
             </a:br>
             <a:r>
-              <a:rPr lang="zh-TW" altLang="en-US" sz="2000" dirty="0" smtClean="0"/>
+              <a:rPr lang="zh-TW" altLang="en-US" sz="2000" dirty="0"/>
               <a:t>原程式邏輯目前為：以完成第一下為開始計時，沒有做滿秒數的話以時間去等比換算次數</a:t>
-            </a:r>
-            <a:r>
-              <a:rPr lang="en-US" altLang="zh-TW" sz="2000" dirty="0"/>
-              <a:t/>
             </a:r>
             <a:br>
               <a:rPr lang="en-US" altLang="zh-TW" sz="2000" dirty="0"/>
             </a:br>
             <a:r>
-              <a:rPr lang="zh-TW" altLang="en-US" sz="2000" dirty="0" smtClean="0"/>
+              <a:rPr lang="zh-TW" altLang="en-US" sz="2000" dirty="0"/>
               <a:t>例：椅子坐立　影片只有</a:t>
             </a:r>
             <a:r>
-              <a:rPr lang="en-US" altLang="zh-TW" sz="2000" dirty="0" smtClean="0"/>
+              <a:rPr lang="en-US" altLang="zh-TW" sz="2000" dirty="0"/>
               <a:t>15</a:t>
             </a:r>
             <a:r>
-              <a:rPr lang="zh-TW" altLang="en-US" sz="2000" dirty="0" smtClean="0"/>
+              <a:rPr lang="zh-TW" altLang="en-US" sz="2000" dirty="0"/>
               <a:t>秒、做</a:t>
             </a:r>
             <a:r>
-              <a:rPr lang="en-US" altLang="zh-TW" sz="2000" dirty="0" smtClean="0"/>
+              <a:rPr lang="en-US" altLang="zh-TW" sz="2000" dirty="0"/>
               <a:t>5</a:t>
             </a:r>
             <a:r>
-              <a:rPr lang="zh-TW" altLang="en-US" sz="2000" dirty="0" smtClean="0"/>
+              <a:rPr lang="zh-TW" altLang="en-US" sz="2000" dirty="0"/>
               <a:t>下　→　</a:t>
             </a:r>
             <a:r>
-              <a:rPr lang="en-US" altLang="zh-TW" sz="2000" dirty="0" smtClean="0"/>
+              <a:rPr lang="en-US" altLang="zh-TW" sz="2000" dirty="0"/>
               <a:t>30</a:t>
             </a:r>
             <a:r>
-              <a:rPr lang="zh-TW" altLang="en-US" sz="2000" dirty="0" smtClean="0"/>
+              <a:rPr lang="zh-TW" altLang="en-US" sz="2000" dirty="0"/>
               <a:t>秒則以 </a:t>
             </a:r>
             <a:r>
-              <a:rPr lang="en-US" altLang="zh-TW" sz="2000" dirty="0" smtClean="0"/>
+              <a:rPr lang="en-US" altLang="zh-TW" sz="2000" dirty="0"/>
               <a:t>1:2 </a:t>
             </a:r>
             <a:r>
-              <a:rPr lang="zh-TW" altLang="en-US" sz="2000" dirty="0" smtClean="0"/>
+              <a:rPr lang="zh-TW" altLang="en-US" sz="2000" dirty="0"/>
               <a:t>去計算比例 </a:t>
             </a:r>
             <a:r>
-              <a:rPr lang="en-US" altLang="zh-TW" sz="2000" dirty="0" smtClean="0"/>
+              <a:rPr lang="en-US" altLang="zh-TW" sz="2000" dirty="0"/>
               <a:t>= </a:t>
             </a:r>
             <a:r>
-              <a:rPr lang="zh-TW" altLang="en-US" sz="2000" dirty="0" smtClean="0"/>
+              <a:rPr lang="zh-TW" altLang="en-US" sz="2000" dirty="0"/>
               <a:t>做</a:t>
             </a:r>
             <a:r>
-              <a:rPr lang="en-US" altLang="zh-TW" sz="2000" dirty="0" smtClean="0"/>
+              <a:rPr lang="en-US" altLang="zh-TW" sz="2000" dirty="0"/>
               <a:t>10</a:t>
             </a:r>
             <a:r>
-              <a:rPr lang="zh-TW" altLang="en-US" sz="2000" dirty="0" smtClean="0"/>
+              <a:rPr lang="zh-TW" altLang="en-US" sz="2000" dirty="0"/>
               <a:t>下</a:t>
-            </a:r>
-            <a:r>
-              <a:rPr lang="en-US" altLang="zh-TW" sz="2000" dirty="0"/>
-              <a:t/>
             </a:r>
             <a:br>
               <a:rPr lang="en-US" altLang="zh-TW" sz="2000" dirty="0"/>
             </a:br>
             <a:r>
-              <a:rPr lang="zh-TW" altLang="en-US" sz="2000" dirty="0" smtClean="0"/>
+              <a:rPr lang="zh-TW" altLang="en-US" sz="2000" dirty="0"/>
               <a:t>以此次數去比對衡量程度表</a:t>
             </a:r>
             <a:r>
-              <a:rPr lang="en-US" altLang="zh-TW" sz="2000" dirty="0" smtClean="0"/>
+              <a:rPr lang="en-US" altLang="zh-TW" sz="2000" dirty="0"/>
               <a:t>(PR</a:t>
             </a:r>
             <a:r>
-              <a:rPr lang="zh-TW" altLang="en-US" sz="2000" dirty="0" smtClean="0"/>
+              <a:rPr lang="zh-TW" altLang="en-US" sz="2000" dirty="0"/>
               <a:t>值</a:t>
             </a:r>
             <a:r>
-              <a:rPr lang="en-US" altLang="zh-TW" sz="2000" dirty="0" smtClean="0"/>
+              <a:rPr lang="en-US" altLang="zh-TW" sz="2000" dirty="0"/>
               <a:t>)</a:t>
-            </a:r>
-            <a:r>
-              <a:rPr lang="en-US" altLang="zh-TW" sz="2000" dirty="0"/>
-              <a:t/>
             </a:r>
             <a:br>
               <a:rPr lang="en-US" altLang="zh-TW" sz="2000" dirty="0"/>
             </a:br>
             <a:r>
-              <a:rPr lang="zh-TW" altLang="en-US" sz="2000" dirty="0" smtClean="0"/>
+              <a:rPr lang="zh-TW" altLang="en-US" sz="2000" dirty="0"/>
               <a:t>但目前測試好像沒有這個功能（程度很好的情況下，還是顯示程度為差）</a:t>
             </a:r>
-            <a:endParaRPr lang="en-US" altLang="zh-TW" sz="2000" dirty="0" smtClean="0"/>
+            <a:endParaRPr lang="en-US" altLang="zh-TW" sz="2000" dirty="0"/>
           </a:p>
           <a:p>
             <a:endParaRPr lang="zh-TW" altLang="en-US" sz="2000" dirty="0"/>
@@ -4241,20 +4171,19 @@
               <a:t>900MB</a:t>
             </a:r>
             <a:r>
-              <a:rPr lang="zh-TW" altLang="en-US" dirty="0" smtClean="0"/>
+              <a:rPr lang="zh-TW" altLang="en-US" dirty="0"/>
               <a:t>）</a:t>
             </a:r>
-            <a:endParaRPr lang="en-US" altLang="zh-TW" dirty="0" smtClean="0"/>
-          </a:p>
-          <a:p>
             <a:endParaRPr lang="en-US" altLang="zh-TW" dirty="0"/>
           </a:p>
           <a:p>
-            <a:r>
-              <a:rPr lang="zh-TW" altLang="en-US" dirty="0" smtClean="0"/>
+            <a:endParaRPr lang="en-US" altLang="zh-TW" dirty="0"/>
+          </a:p>
+          <a:p>
+            <a:r>
+              <a:rPr lang="zh-TW" altLang="en-US" dirty="0"/>
               <a:t>設定壓縮率</a:t>
             </a:r>
-            <a:endParaRPr lang="zh-TW" altLang="en-US" dirty="0"/>
           </a:p>
           <a:p>
             <a:endParaRPr lang="zh-TW" altLang="en-US" dirty="0"/>
@@ -4356,34 +4285,29 @@
           <a:lstStyle/>
           <a:p>
             <a:r>
-              <a:rPr lang="zh-TW" altLang="en-US" dirty="0" smtClean="0"/>
+              <a:rPr lang="zh-TW" altLang="en-US" dirty="0"/>
               <a:t>現今的影片偵數預設為</a:t>
             </a:r>
             <a:r>
-              <a:rPr lang="en-US" altLang="zh-TW" dirty="0" smtClean="0"/>
+              <a:rPr lang="en-US" altLang="zh-TW" dirty="0"/>
               <a:t>30FPS</a:t>
             </a:r>
           </a:p>
           <a:p>
             <a:r>
               <a:rPr lang="zh-TW" altLang="en-US" dirty="0"/>
-              <a:t>若有低於或高於會</a:t>
-            </a:r>
-            <a:r>
-              <a:rPr lang="zh-TW" altLang="en-US" dirty="0" smtClean="0"/>
-              <a:t>導致持續時間與換算失誤。</a:t>
-            </a:r>
-            <a:endParaRPr lang="en-US" altLang="zh-TW" dirty="0" smtClean="0"/>
-          </a:p>
-          <a:p>
-            <a:endParaRPr lang="en-US" altLang="zh-TW" dirty="0" smtClean="0"/>
-          </a:p>
-          <a:p>
-            <a:r>
-              <a:rPr lang="zh-TW" altLang="en-US" dirty="0" smtClean="0"/>
+              <a:t>若有低於或高於會導致持續時間與換算失誤。</a:t>
+            </a:r>
+            <a:endParaRPr lang="en-US" altLang="zh-TW" dirty="0"/>
+          </a:p>
+          <a:p>
+            <a:endParaRPr lang="en-US" altLang="zh-TW" dirty="0"/>
+          </a:p>
+          <a:p>
+            <a:r>
+              <a:rPr lang="zh-TW" altLang="en-US" dirty="0"/>
               <a:t>自動偵測輸入的影片檔偵數</a:t>
             </a:r>
-            <a:endParaRPr lang="zh-TW" altLang="en-US" dirty="0"/>
           </a:p>
         </p:txBody>
       </p:sp>
@@ -4409,8 +4333,8 @@
         </p:blipFill>
         <p:spPr>
           <a:xfrm>
-            <a:off x="6187121" y="3370774"/>
-            <a:ext cx="4572638" cy="1762371"/>
+            <a:off x="5265420" y="4080034"/>
+            <a:ext cx="5440680" cy="2096929"/>
           </a:xfrm>
           <a:prstGeom prst="rect">
             <a:avLst/>
